--- a/ppt 16-9/0856.你所信的是谁.pptx
+++ b/ppt 16-9/0856.你所信的是谁.pptx
@@ -129,7 +129,7 @@
           <p:cNvPr id="2" name="标题 1">
             <a:extLst>
               <a:ext uri="{FF2B5EF4-FFF2-40B4-BE49-F238E27FC236}">
-                <a16:creationId xmlns:a16="http://schemas.microsoft.com/office/drawing/2014/main" id="{57088489-8E2C-0FEB-B931-0A151A832B67}"/>
+                <a16:creationId xmlns:a16="http://schemas.microsoft.com/office/drawing/2014/main" id="{F01C006B-E558-E831-000F-A31515DF9354}"/>
               </a:ext>
             </a:extLst>
           </p:cNvPr>
@@ -166,7 +166,7 @@
           <p:cNvPr id="3" name="副标题 2">
             <a:extLst>
               <a:ext uri="{FF2B5EF4-FFF2-40B4-BE49-F238E27FC236}">
-                <a16:creationId xmlns:a16="http://schemas.microsoft.com/office/drawing/2014/main" id="{07F5EA02-C8E0-B30F-64A1-7BDEBA867869}"/>
+                <a16:creationId xmlns:a16="http://schemas.microsoft.com/office/drawing/2014/main" id="{F177200E-8535-16AC-70BE-82DC22C67282}"/>
               </a:ext>
             </a:extLst>
           </p:cNvPr>
@@ -236,7 +236,7 @@
           <p:cNvPr id="4" name="日期占位符 3">
             <a:extLst>
               <a:ext uri="{FF2B5EF4-FFF2-40B4-BE49-F238E27FC236}">
-                <a16:creationId xmlns:a16="http://schemas.microsoft.com/office/drawing/2014/main" id="{9E1DAD51-23F4-871A-7265-E48E2847E40A}"/>
+                <a16:creationId xmlns:a16="http://schemas.microsoft.com/office/drawing/2014/main" id="{87FD5E2E-A878-F94B-BF11-98DFBA42E6B8}"/>
               </a:ext>
             </a:extLst>
           </p:cNvPr>
@@ -252,7 +252,7 @@
           <a:bodyPr/>
           <a:lstStyle/>
           <a:p>
-            <a:fld id="{2710B558-1A92-4018-8A8E-33D5ECF423E9}" type="datetimeFigureOut">
+            <a:fld id="{3AF44139-971B-44FC-9940-0DF72471C7CF}" type="datetimeFigureOut">
               <a:rPr lang="zh-CN" altLang="en-US" smtClean="0"/>
               <a:t>2024/3/10</a:t>
             </a:fld>
@@ -265,7 +265,7 @@
           <p:cNvPr id="5" name="页脚占位符 4">
             <a:extLst>
               <a:ext uri="{FF2B5EF4-FFF2-40B4-BE49-F238E27FC236}">
-                <a16:creationId xmlns:a16="http://schemas.microsoft.com/office/drawing/2014/main" id="{F0C6C13F-A426-42D6-05E6-268A0E4745F3}"/>
+                <a16:creationId xmlns:a16="http://schemas.microsoft.com/office/drawing/2014/main" id="{32973A60-9C42-C561-FB4A-5CFF4C36185D}"/>
               </a:ext>
             </a:extLst>
           </p:cNvPr>
@@ -290,7 +290,7 @@
           <p:cNvPr id="6" name="灯片编号占位符 5">
             <a:extLst>
               <a:ext uri="{FF2B5EF4-FFF2-40B4-BE49-F238E27FC236}">
-                <a16:creationId xmlns:a16="http://schemas.microsoft.com/office/drawing/2014/main" id="{55E0D90A-BDC0-2BC2-D27A-433C560CE8D9}"/>
+                <a16:creationId xmlns:a16="http://schemas.microsoft.com/office/drawing/2014/main" id="{3FFAFAC8-260D-73FE-2CE7-5C1EF9578C12}"/>
               </a:ext>
             </a:extLst>
           </p:cNvPr>
@@ -306,7 +306,7 @@
           <a:bodyPr/>
           <a:lstStyle/>
           <a:p>
-            <a:fld id="{23022035-26EA-485E-9086-F627EDCA18E6}" type="slidenum">
+            <a:fld id="{F9D46CC2-A339-431B-BF3A-A49C3CD510AD}" type="slidenum">
               <a:rPr lang="zh-CN" altLang="en-US" smtClean="0"/>
               <a:t>‹#›</a:t>
             </a:fld>
@@ -317,7 +317,7 @@
     </p:spTree>
     <p:extLst>
       <p:ext uri="{BB962C8B-B14F-4D97-AF65-F5344CB8AC3E}">
-        <p14:creationId xmlns:p14="http://schemas.microsoft.com/office/powerpoint/2010/main" val="2817718031"/>
+        <p14:creationId xmlns:p14="http://schemas.microsoft.com/office/powerpoint/2010/main" val="3618657657"/>
       </p:ext>
     </p:extLst>
   </p:cSld>
@@ -349,7 +349,7 @@
           <p:cNvPr id="2" name="标题 1">
             <a:extLst>
               <a:ext uri="{FF2B5EF4-FFF2-40B4-BE49-F238E27FC236}">
-                <a16:creationId xmlns:a16="http://schemas.microsoft.com/office/drawing/2014/main" id="{48BDC8EF-6891-028E-A1D1-B860E8884C4D}"/>
+                <a16:creationId xmlns:a16="http://schemas.microsoft.com/office/drawing/2014/main" id="{9FECDE0F-FA51-522C-FAA3-984D1692C91F}"/>
               </a:ext>
             </a:extLst>
           </p:cNvPr>
@@ -377,7 +377,7 @@
           <p:cNvPr id="3" name="竖排文字占位符 2">
             <a:extLst>
               <a:ext uri="{FF2B5EF4-FFF2-40B4-BE49-F238E27FC236}">
-                <a16:creationId xmlns:a16="http://schemas.microsoft.com/office/drawing/2014/main" id="{610BF478-7708-5EE5-A4B1-067A57773603}"/>
+                <a16:creationId xmlns:a16="http://schemas.microsoft.com/office/drawing/2014/main" id="{5F135471-CF6F-AF5F-AA0C-4ACC0BEE4D90}"/>
               </a:ext>
             </a:extLst>
           </p:cNvPr>
@@ -434,7 +434,7 @@
           <p:cNvPr id="4" name="日期占位符 3">
             <a:extLst>
               <a:ext uri="{FF2B5EF4-FFF2-40B4-BE49-F238E27FC236}">
-                <a16:creationId xmlns:a16="http://schemas.microsoft.com/office/drawing/2014/main" id="{F3587DD8-0659-F560-F99A-C6DD8E5767CD}"/>
+                <a16:creationId xmlns:a16="http://schemas.microsoft.com/office/drawing/2014/main" id="{F70FA414-CA2A-90DB-3A3F-E14DB490DFF8}"/>
               </a:ext>
             </a:extLst>
           </p:cNvPr>
@@ -450,7 +450,7 @@
           <a:bodyPr/>
           <a:lstStyle/>
           <a:p>
-            <a:fld id="{2710B558-1A92-4018-8A8E-33D5ECF423E9}" type="datetimeFigureOut">
+            <a:fld id="{3AF44139-971B-44FC-9940-0DF72471C7CF}" type="datetimeFigureOut">
               <a:rPr lang="zh-CN" altLang="en-US" smtClean="0"/>
               <a:t>2024/3/10</a:t>
             </a:fld>
@@ -463,7 +463,7 @@
           <p:cNvPr id="5" name="页脚占位符 4">
             <a:extLst>
               <a:ext uri="{FF2B5EF4-FFF2-40B4-BE49-F238E27FC236}">
-                <a16:creationId xmlns:a16="http://schemas.microsoft.com/office/drawing/2014/main" id="{968F82DC-949E-5592-1AAC-E56589A7C516}"/>
+                <a16:creationId xmlns:a16="http://schemas.microsoft.com/office/drawing/2014/main" id="{246A7237-AAFF-8AD6-482B-4460210B7E05}"/>
               </a:ext>
             </a:extLst>
           </p:cNvPr>
@@ -488,7 +488,7 @@
           <p:cNvPr id="6" name="灯片编号占位符 5">
             <a:extLst>
               <a:ext uri="{FF2B5EF4-FFF2-40B4-BE49-F238E27FC236}">
-                <a16:creationId xmlns:a16="http://schemas.microsoft.com/office/drawing/2014/main" id="{4027D696-C37F-DF8A-5A54-86C5945849A3}"/>
+                <a16:creationId xmlns:a16="http://schemas.microsoft.com/office/drawing/2014/main" id="{B9A1A847-ADD9-4AC2-F528-036B4ED09EEC}"/>
               </a:ext>
             </a:extLst>
           </p:cNvPr>
@@ -504,7 +504,7 @@
           <a:bodyPr/>
           <a:lstStyle/>
           <a:p>
-            <a:fld id="{23022035-26EA-485E-9086-F627EDCA18E6}" type="slidenum">
+            <a:fld id="{F9D46CC2-A339-431B-BF3A-A49C3CD510AD}" type="slidenum">
               <a:rPr lang="zh-CN" altLang="en-US" smtClean="0"/>
               <a:t>‹#›</a:t>
             </a:fld>
@@ -515,7 +515,7 @@
     </p:spTree>
     <p:extLst>
       <p:ext uri="{BB962C8B-B14F-4D97-AF65-F5344CB8AC3E}">
-        <p14:creationId xmlns:p14="http://schemas.microsoft.com/office/powerpoint/2010/main" val="1963423621"/>
+        <p14:creationId xmlns:p14="http://schemas.microsoft.com/office/powerpoint/2010/main" val="3783463184"/>
       </p:ext>
     </p:extLst>
   </p:cSld>
@@ -547,7 +547,7 @@
           <p:cNvPr id="2" name="竖排标题 1">
             <a:extLst>
               <a:ext uri="{FF2B5EF4-FFF2-40B4-BE49-F238E27FC236}">
-                <a16:creationId xmlns:a16="http://schemas.microsoft.com/office/drawing/2014/main" id="{54A27371-6C84-5433-C6DE-92B90EF91FF1}"/>
+                <a16:creationId xmlns:a16="http://schemas.microsoft.com/office/drawing/2014/main" id="{A76893C9-ACF2-E622-CCCD-7EC26211F3EB}"/>
               </a:ext>
             </a:extLst>
           </p:cNvPr>
@@ -580,7 +580,7 @@
           <p:cNvPr id="3" name="竖排文字占位符 2">
             <a:extLst>
               <a:ext uri="{FF2B5EF4-FFF2-40B4-BE49-F238E27FC236}">
-                <a16:creationId xmlns:a16="http://schemas.microsoft.com/office/drawing/2014/main" id="{019C358B-D538-5736-2177-BFC70322491B}"/>
+                <a16:creationId xmlns:a16="http://schemas.microsoft.com/office/drawing/2014/main" id="{2779108B-5857-ABD7-DD0A-C7819D597AB6}"/>
               </a:ext>
             </a:extLst>
           </p:cNvPr>
@@ -642,7 +642,7 @@
           <p:cNvPr id="4" name="日期占位符 3">
             <a:extLst>
               <a:ext uri="{FF2B5EF4-FFF2-40B4-BE49-F238E27FC236}">
-                <a16:creationId xmlns:a16="http://schemas.microsoft.com/office/drawing/2014/main" id="{112B54B5-39AC-B213-89E3-23A552CA1AB5}"/>
+                <a16:creationId xmlns:a16="http://schemas.microsoft.com/office/drawing/2014/main" id="{0CE81616-401F-6C73-9841-363B69B94ABB}"/>
               </a:ext>
             </a:extLst>
           </p:cNvPr>
@@ -658,7 +658,7 @@
           <a:bodyPr/>
           <a:lstStyle/>
           <a:p>
-            <a:fld id="{2710B558-1A92-4018-8A8E-33D5ECF423E9}" type="datetimeFigureOut">
+            <a:fld id="{3AF44139-971B-44FC-9940-0DF72471C7CF}" type="datetimeFigureOut">
               <a:rPr lang="zh-CN" altLang="en-US" smtClean="0"/>
               <a:t>2024/3/10</a:t>
             </a:fld>
@@ -671,7 +671,7 @@
           <p:cNvPr id="5" name="页脚占位符 4">
             <a:extLst>
               <a:ext uri="{FF2B5EF4-FFF2-40B4-BE49-F238E27FC236}">
-                <a16:creationId xmlns:a16="http://schemas.microsoft.com/office/drawing/2014/main" id="{63DD62B6-A023-527F-F402-7538722BB177}"/>
+                <a16:creationId xmlns:a16="http://schemas.microsoft.com/office/drawing/2014/main" id="{0E4404E4-49A5-8C0B-077E-422F108FD524}"/>
               </a:ext>
             </a:extLst>
           </p:cNvPr>
@@ -696,7 +696,7 @@
           <p:cNvPr id="6" name="灯片编号占位符 5">
             <a:extLst>
               <a:ext uri="{FF2B5EF4-FFF2-40B4-BE49-F238E27FC236}">
-                <a16:creationId xmlns:a16="http://schemas.microsoft.com/office/drawing/2014/main" id="{4AAB5F25-6F46-0D76-8D16-A2F86CDF194D}"/>
+                <a16:creationId xmlns:a16="http://schemas.microsoft.com/office/drawing/2014/main" id="{23CF05A1-AC26-A2C3-8BA6-8A60AC93EF68}"/>
               </a:ext>
             </a:extLst>
           </p:cNvPr>
@@ -712,7 +712,7 @@
           <a:bodyPr/>
           <a:lstStyle/>
           <a:p>
-            <a:fld id="{23022035-26EA-485E-9086-F627EDCA18E6}" type="slidenum">
+            <a:fld id="{F9D46CC2-A339-431B-BF3A-A49C3CD510AD}" type="slidenum">
               <a:rPr lang="zh-CN" altLang="en-US" smtClean="0"/>
               <a:t>‹#›</a:t>
             </a:fld>
@@ -723,7 +723,7 @@
     </p:spTree>
     <p:extLst>
       <p:ext uri="{BB962C8B-B14F-4D97-AF65-F5344CB8AC3E}">
-        <p14:creationId xmlns:p14="http://schemas.microsoft.com/office/powerpoint/2010/main" val="2041148808"/>
+        <p14:creationId xmlns:p14="http://schemas.microsoft.com/office/powerpoint/2010/main" val="2091869886"/>
       </p:ext>
     </p:extLst>
   </p:cSld>
@@ -755,7 +755,7 @@
           <p:cNvPr id="2" name="标题 1">
             <a:extLst>
               <a:ext uri="{FF2B5EF4-FFF2-40B4-BE49-F238E27FC236}">
-                <a16:creationId xmlns:a16="http://schemas.microsoft.com/office/drawing/2014/main" id="{7947EE5D-A8DE-2012-184A-14755831D5E8}"/>
+                <a16:creationId xmlns:a16="http://schemas.microsoft.com/office/drawing/2014/main" id="{1CD730CF-A63E-252D-85F4-24CD0B33B891}"/>
               </a:ext>
             </a:extLst>
           </p:cNvPr>
@@ -783,7 +783,7 @@
           <p:cNvPr id="3" name="内容占位符 2">
             <a:extLst>
               <a:ext uri="{FF2B5EF4-FFF2-40B4-BE49-F238E27FC236}">
-                <a16:creationId xmlns:a16="http://schemas.microsoft.com/office/drawing/2014/main" id="{40A1086E-977E-5749-D678-823B235A85BA}"/>
+                <a16:creationId xmlns:a16="http://schemas.microsoft.com/office/drawing/2014/main" id="{33FC085C-83EF-55C6-49EE-1CCA1860D3CA}"/>
               </a:ext>
             </a:extLst>
           </p:cNvPr>
@@ -840,7 +840,7 @@
           <p:cNvPr id="4" name="日期占位符 3">
             <a:extLst>
               <a:ext uri="{FF2B5EF4-FFF2-40B4-BE49-F238E27FC236}">
-                <a16:creationId xmlns:a16="http://schemas.microsoft.com/office/drawing/2014/main" id="{8D4BB368-D16B-5F11-1B3C-3C81DAA9BD4D}"/>
+                <a16:creationId xmlns:a16="http://schemas.microsoft.com/office/drawing/2014/main" id="{740F68DD-0B5B-C5E6-2BC9-A47A41D17E4E}"/>
               </a:ext>
             </a:extLst>
           </p:cNvPr>
@@ -856,7 +856,7 @@
           <a:bodyPr/>
           <a:lstStyle/>
           <a:p>
-            <a:fld id="{2710B558-1A92-4018-8A8E-33D5ECF423E9}" type="datetimeFigureOut">
+            <a:fld id="{3AF44139-971B-44FC-9940-0DF72471C7CF}" type="datetimeFigureOut">
               <a:rPr lang="zh-CN" altLang="en-US" smtClean="0"/>
               <a:t>2024/3/10</a:t>
             </a:fld>
@@ -869,7 +869,7 @@
           <p:cNvPr id="5" name="页脚占位符 4">
             <a:extLst>
               <a:ext uri="{FF2B5EF4-FFF2-40B4-BE49-F238E27FC236}">
-                <a16:creationId xmlns:a16="http://schemas.microsoft.com/office/drawing/2014/main" id="{42E79F43-D076-BD94-C387-45BE1D287BAB}"/>
+                <a16:creationId xmlns:a16="http://schemas.microsoft.com/office/drawing/2014/main" id="{2077E19D-410B-E571-5887-47FC7D501E51}"/>
               </a:ext>
             </a:extLst>
           </p:cNvPr>
@@ -894,7 +894,7 @@
           <p:cNvPr id="6" name="灯片编号占位符 5">
             <a:extLst>
               <a:ext uri="{FF2B5EF4-FFF2-40B4-BE49-F238E27FC236}">
-                <a16:creationId xmlns:a16="http://schemas.microsoft.com/office/drawing/2014/main" id="{D25C20B1-C609-12E9-D212-A57D29E7D9D7}"/>
+                <a16:creationId xmlns:a16="http://schemas.microsoft.com/office/drawing/2014/main" id="{76F2A747-47DA-351B-A835-64543099A56F}"/>
               </a:ext>
             </a:extLst>
           </p:cNvPr>
@@ -910,7 +910,7 @@
           <a:bodyPr/>
           <a:lstStyle/>
           <a:p>
-            <a:fld id="{23022035-26EA-485E-9086-F627EDCA18E6}" type="slidenum">
+            <a:fld id="{F9D46CC2-A339-431B-BF3A-A49C3CD510AD}" type="slidenum">
               <a:rPr lang="zh-CN" altLang="en-US" smtClean="0"/>
               <a:t>‹#›</a:t>
             </a:fld>
@@ -921,7 +921,7 @@
     </p:spTree>
     <p:extLst>
       <p:ext uri="{BB962C8B-B14F-4D97-AF65-F5344CB8AC3E}">
-        <p14:creationId xmlns:p14="http://schemas.microsoft.com/office/powerpoint/2010/main" val="2945456918"/>
+        <p14:creationId xmlns:p14="http://schemas.microsoft.com/office/powerpoint/2010/main" val="3285517966"/>
       </p:ext>
     </p:extLst>
   </p:cSld>
@@ -953,7 +953,7 @@
           <p:cNvPr id="2" name="标题 1">
             <a:extLst>
               <a:ext uri="{FF2B5EF4-FFF2-40B4-BE49-F238E27FC236}">
-                <a16:creationId xmlns:a16="http://schemas.microsoft.com/office/drawing/2014/main" id="{8BFA3649-0697-C5D9-93F6-E9678E7DBFA2}"/>
+                <a16:creationId xmlns:a16="http://schemas.microsoft.com/office/drawing/2014/main" id="{6ECFA290-EFBC-BE80-77E5-972CD00D522F}"/>
               </a:ext>
             </a:extLst>
           </p:cNvPr>
@@ -990,7 +990,7 @@
           <p:cNvPr id="3" name="文本占位符 2">
             <a:extLst>
               <a:ext uri="{FF2B5EF4-FFF2-40B4-BE49-F238E27FC236}">
-                <a16:creationId xmlns:a16="http://schemas.microsoft.com/office/drawing/2014/main" id="{BACDC808-6EC1-1412-ED94-7FC2B6485446}"/>
+                <a16:creationId xmlns:a16="http://schemas.microsoft.com/office/drawing/2014/main" id="{D674B0DF-13C7-93D5-84F1-E3D790A2AB7E}"/>
               </a:ext>
             </a:extLst>
           </p:cNvPr>
@@ -1115,7 +1115,7 @@
           <p:cNvPr id="4" name="日期占位符 3">
             <a:extLst>
               <a:ext uri="{FF2B5EF4-FFF2-40B4-BE49-F238E27FC236}">
-                <a16:creationId xmlns:a16="http://schemas.microsoft.com/office/drawing/2014/main" id="{80BEFCBD-39B7-0263-2CF6-C66AD9C6760A}"/>
+                <a16:creationId xmlns:a16="http://schemas.microsoft.com/office/drawing/2014/main" id="{E5AA6B09-6450-D2E0-F573-7727A3223BEB}"/>
               </a:ext>
             </a:extLst>
           </p:cNvPr>
@@ -1131,7 +1131,7 @@
           <a:bodyPr/>
           <a:lstStyle/>
           <a:p>
-            <a:fld id="{2710B558-1A92-4018-8A8E-33D5ECF423E9}" type="datetimeFigureOut">
+            <a:fld id="{3AF44139-971B-44FC-9940-0DF72471C7CF}" type="datetimeFigureOut">
               <a:rPr lang="zh-CN" altLang="en-US" smtClean="0"/>
               <a:t>2024/3/10</a:t>
             </a:fld>
@@ -1144,7 +1144,7 @@
           <p:cNvPr id="5" name="页脚占位符 4">
             <a:extLst>
               <a:ext uri="{FF2B5EF4-FFF2-40B4-BE49-F238E27FC236}">
-                <a16:creationId xmlns:a16="http://schemas.microsoft.com/office/drawing/2014/main" id="{D9F2F6C3-EE14-D6AF-26A1-0A8074A8CC37}"/>
+                <a16:creationId xmlns:a16="http://schemas.microsoft.com/office/drawing/2014/main" id="{C4708328-6A90-83CE-117B-83401D5FCDE4}"/>
               </a:ext>
             </a:extLst>
           </p:cNvPr>
@@ -1169,7 +1169,7 @@
           <p:cNvPr id="6" name="灯片编号占位符 5">
             <a:extLst>
               <a:ext uri="{FF2B5EF4-FFF2-40B4-BE49-F238E27FC236}">
-                <a16:creationId xmlns:a16="http://schemas.microsoft.com/office/drawing/2014/main" id="{E8C216F0-171F-9D81-FDB3-05F7EE5268D3}"/>
+                <a16:creationId xmlns:a16="http://schemas.microsoft.com/office/drawing/2014/main" id="{69BB315D-EE99-AA86-A4CB-AE8BA957826D}"/>
               </a:ext>
             </a:extLst>
           </p:cNvPr>
@@ -1185,7 +1185,7 @@
           <a:bodyPr/>
           <a:lstStyle/>
           <a:p>
-            <a:fld id="{23022035-26EA-485E-9086-F627EDCA18E6}" type="slidenum">
+            <a:fld id="{F9D46CC2-A339-431B-BF3A-A49C3CD510AD}" type="slidenum">
               <a:rPr lang="zh-CN" altLang="en-US" smtClean="0"/>
               <a:t>‹#›</a:t>
             </a:fld>
@@ -1196,7 +1196,7 @@
     </p:spTree>
     <p:extLst>
       <p:ext uri="{BB962C8B-B14F-4D97-AF65-F5344CB8AC3E}">
-        <p14:creationId xmlns:p14="http://schemas.microsoft.com/office/powerpoint/2010/main" val="832990208"/>
+        <p14:creationId xmlns:p14="http://schemas.microsoft.com/office/powerpoint/2010/main" val="2740000837"/>
       </p:ext>
     </p:extLst>
   </p:cSld>
@@ -1228,7 +1228,7 @@
           <p:cNvPr id="2" name="标题 1">
             <a:extLst>
               <a:ext uri="{FF2B5EF4-FFF2-40B4-BE49-F238E27FC236}">
-                <a16:creationId xmlns:a16="http://schemas.microsoft.com/office/drawing/2014/main" id="{F3C8756B-6076-5D06-9D7E-C786C16ECD5B}"/>
+                <a16:creationId xmlns:a16="http://schemas.microsoft.com/office/drawing/2014/main" id="{D6FCC96F-7E02-419B-8FCD-1A9F84C7695A}"/>
               </a:ext>
             </a:extLst>
           </p:cNvPr>
@@ -1256,7 +1256,7 @@
           <p:cNvPr id="3" name="内容占位符 2">
             <a:extLst>
               <a:ext uri="{FF2B5EF4-FFF2-40B4-BE49-F238E27FC236}">
-                <a16:creationId xmlns:a16="http://schemas.microsoft.com/office/drawing/2014/main" id="{EFD49DEB-0054-8093-2931-DE5B6BBCFC68}"/>
+                <a16:creationId xmlns:a16="http://schemas.microsoft.com/office/drawing/2014/main" id="{CC1CAFD6-8244-5AB1-76D1-974FB5C38D49}"/>
               </a:ext>
             </a:extLst>
           </p:cNvPr>
@@ -1318,7 +1318,7 @@
           <p:cNvPr id="4" name="内容占位符 3">
             <a:extLst>
               <a:ext uri="{FF2B5EF4-FFF2-40B4-BE49-F238E27FC236}">
-                <a16:creationId xmlns:a16="http://schemas.microsoft.com/office/drawing/2014/main" id="{13C52EC3-30F2-1991-5E02-EED596D2CDDE}"/>
+                <a16:creationId xmlns:a16="http://schemas.microsoft.com/office/drawing/2014/main" id="{44F7A108-D855-AA39-08E4-DB7B051452DE}"/>
               </a:ext>
             </a:extLst>
           </p:cNvPr>
@@ -1380,7 +1380,7 @@
           <p:cNvPr id="5" name="日期占位符 4">
             <a:extLst>
               <a:ext uri="{FF2B5EF4-FFF2-40B4-BE49-F238E27FC236}">
-                <a16:creationId xmlns:a16="http://schemas.microsoft.com/office/drawing/2014/main" id="{BB467D90-604E-9260-E0A7-1DFE5552D3A4}"/>
+                <a16:creationId xmlns:a16="http://schemas.microsoft.com/office/drawing/2014/main" id="{D1563041-09B0-D423-30AB-30AC0EE91D7F}"/>
               </a:ext>
             </a:extLst>
           </p:cNvPr>
@@ -1396,7 +1396,7 @@
           <a:bodyPr/>
           <a:lstStyle/>
           <a:p>
-            <a:fld id="{2710B558-1A92-4018-8A8E-33D5ECF423E9}" type="datetimeFigureOut">
+            <a:fld id="{3AF44139-971B-44FC-9940-0DF72471C7CF}" type="datetimeFigureOut">
               <a:rPr lang="zh-CN" altLang="en-US" smtClean="0"/>
               <a:t>2024/3/10</a:t>
             </a:fld>
@@ -1409,7 +1409,7 @@
           <p:cNvPr id="6" name="页脚占位符 5">
             <a:extLst>
               <a:ext uri="{FF2B5EF4-FFF2-40B4-BE49-F238E27FC236}">
-                <a16:creationId xmlns:a16="http://schemas.microsoft.com/office/drawing/2014/main" id="{8A0B7F96-85B6-9EF7-890A-04EED5907A06}"/>
+                <a16:creationId xmlns:a16="http://schemas.microsoft.com/office/drawing/2014/main" id="{1AB20214-44CF-6B1B-7046-F11C2CD8F07E}"/>
               </a:ext>
             </a:extLst>
           </p:cNvPr>
@@ -1434,7 +1434,7 @@
           <p:cNvPr id="7" name="灯片编号占位符 6">
             <a:extLst>
               <a:ext uri="{FF2B5EF4-FFF2-40B4-BE49-F238E27FC236}">
-                <a16:creationId xmlns:a16="http://schemas.microsoft.com/office/drawing/2014/main" id="{A2E84E47-B885-D651-85F3-E5274EBFDDF4}"/>
+                <a16:creationId xmlns:a16="http://schemas.microsoft.com/office/drawing/2014/main" id="{137F7488-A906-2BBD-ACA1-B0D709308C23}"/>
               </a:ext>
             </a:extLst>
           </p:cNvPr>
@@ -1450,7 +1450,7 @@
           <a:bodyPr/>
           <a:lstStyle/>
           <a:p>
-            <a:fld id="{23022035-26EA-485E-9086-F627EDCA18E6}" type="slidenum">
+            <a:fld id="{F9D46CC2-A339-431B-BF3A-A49C3CD510AD}" type="slidenum">
               <a:rPr lang="zh-CN" altLang="en-US" smtClean="0"/>
               <a:t>‹#›</a:t>
             </a:fld>
@@ -1461,7 +1461,7 @@
     </p:spTree>
     <p:extLst>
       <p:ext uri="{BB962C8B-B14F-4D97-AF65-F5344CB8AC3E}">
-        <p14:creationId xmlns:p14="http://schemas.microsoft.com/office/powerpoint/2010/main" val="218096658"/>
+        <p14:creationId xmlns:p14="http://schemas.microsoft.com/office/powerpoint/2010/main" val="4069396439"/>
       </p:ext>
     </p:extLst>
   </p:cSld>
@@ -1493,7 +1493,7 @@
           <p:cNvPr id="2" name="标题 1">
             <a:extLst>
               <a:ext uri="{FF2B5EF4-FFF2-40B4-BE49-F238E27FC236}">
-                <a16:creationId xmlns:a16="http://schemas.microsoft.com/office/drawing/2014/main" id="{41B52415-4BE4-695F-9E91-0169ADCC56FE}"/>
+                <a16:creationId xmlns:a16="http://schemas.microsoft.com/office/drawing/2014/main" id="{72634D9A-D7CD-E187-ECCC-41E11BB01DDB}"/>
               </a:ext>
             </a:extLst>
           </p:cNvPr>
@@ -1526,7 +1526,7 @@
           <p:cNvPr id="3" name="文本占位符 2">
             <a:extLst>
               <a:ext uri="{FF2B5EF4-FFF2-40B4-BE49-F238E27FC236}">
-                <a16:creationId xmlns:a16="http://schemas.microsoft.com/office/drawing/2014/main" id="{35E4BE69-CAE9-2D2B-6C22-4BD5B42A474F}"/>
+                <a16:creationId xmlns:a16="http://schemas.microsoft.com/office/drawing/2014/main" id="{284A2D31-B61D-FFD3-1DBF-961F808023A9}"/>
               </a:ext>
             </a:extLst>
           </p:cNvPr>
@@ -1597,7 +1597,7 @@
           <p:cNvPr id="4" name="内容占位符 3">
             <a:extLst>
               <a:ext uri="{FF2B5EF4-FFF2-40B4-BE49-F238E27FC236}">
-                <a16:creationId xmlns:a16="http://schemas.microsoft.com/office/drawing/2014/main" id="{9FCC44EF-E128-617B-CFE5-E7C03644E463}"/>
+                <a16:creationId xmlns:a16="http://schemas.microsoft.com/office/drawing/2014/main" id="{4D43A895-51D4-2E40-9236-AC094B9A3E7B}"/>
               </a:ext>
             </a:extLst>
           </p:cNvPr>
@@ -1659,7 +1659,7 @@
           <p:cNvPr id="5" name="文本占位符 4">
             <a:extLst>
               <a:ext uri="{FF2B5EF4-FFF2-40B4-BE49-F238E27FC236}">
-                <a16:creationId xmlns:a16="http://schemas.microsoft.com/office/drawing/2014/main" id="{666CB431-58A7-6FE1-C900-F86D5A917DE3}"/>
+                <a16:creationId xmlns:a16="http://schemas.microsoft.com/office/drawing/2014/main" id="{CF0E6406-6359-53F7-8819-8FBA6FF02202}"/>
               </a:ext>
             </a:extLst>
           </p:cNvPr>
@@ -1730,7 +1730,7 @@
           <p:cNvPr id="6" name="内容占位符 5">
             <a:extLst>
               <a:ext uri="{FF2B5EF4-FFF2-40B4-BE49-F238E27FC236}">
-                <a16:creationId xmlns:a16="http://schemas.microsoft.com/office/drawing/2014/main" id="{026E593C-6EDE-BD25-E7DD-CEC34460A156}"/>
+                <a16:creationId xmlns:a16="http://schemas.microsoft.com/office/drawing/2014/main" id="{35FA97BA-8B1D-62B3-98F5-A1AE8D6CB6F8}"/>
               </a:ext>
             </a:extLst>
           </p:cNvPr>
@@ -1792,7 +1792,7 @@
           <p:cNvPr id="7" name="日期占位符 6">
             <a:extLst>
               <a:ext uri="{FF2B5EF4-FFF2-40B4-BE49-F238E27FC236}">
-                <a16:creationId xmlns:a16="http://schemas.microsoft.com/office/drawing/2014/main" id="{67F3D6E9-DFDB-7E13-FB65-6CCC9E5E06A5}"/>
+                <a16:creationId xmlns:a16="http://schemas.microsoft.com/office/drawing/2014/main" id="{72B3F1FB-5145-DD18-E516-38C3D16F6229}"/>
               </a:ext>
             </a:extLst>
           </p:cNvPr>
@@ -1808,7 +1808,7 @@
           <a:bodyPr/>
           <a:lstStyle/>
           <a:p>
-            <a:fld id="{2710B558-1A92-4018-8A8E-33D5ECF423E9}" type="datetimeFigureOut">
+            <a:fld id="{3AF44139-971B-44FC-9940-0DF72471C7CF}" type="datetimeFigureOut">
               <a:rPr lang="zh-CN" altLang="en-US" smtClean="0"/>
               <a:t>2024/3/10</a:t>
             </a:fld>
@@ -1821,7 +1821,7 @@
           <p:cNvPr id="8" name="页脚占位符 7">
             <a:extLst>
               <a:ext uri="{FF2B5EF4-FFF2-40B4-BE49-F238E27FC236}">
-                <a16:creationId xmlns:a16="http://schemas.microsoft.com/office/drawing/2014/main" id="{8664A118-8CFD-5BC9-08E8-A4205D6E12D4}"/>
+                <a16:creationId xmlns:a16="http://schemas.microsoft.com/office/drawing/2014/main" id="{01EA8336-EBEB-1F69-FAB0-D6B44EE83937}"/>
               </a:ext>
             </a:extLst>
           </p:cNvPr>
@@ -1846,7 +1846,7 @@
           <p:cNvPr id="9" name="灯片编号占位符 8">
             <a:extLst>
               <a:ext uri="{FF2B5EF4-FFF2-40B4-BE49-F238E27FC236}">
-                <a16:creationId xmlns:a16="http://schemas.microsoft.com/office/drawing/2014/main" id="{164EEDC5-4E90-AE7E-8416-CF42CBA7820A}"/>
+                <a16:creationId xmlns:a16="http://schemas.microsoft.com/office/drawing/2014/main" id="{F2320B39-EB4C-0EDF-DC9B-8021A54F17CE}"/>
               </a:ext>
             </a:extLst>
           </p:cNvPr>
@@ -1862,7 +1862,7 @@
           <a:bodyPr/>
           <a:lstStyle/>
           <a:p>
-            <a:fld id="{23022035-26EA-485E-9086-F627EDCA18E6}" type="slidenum">
+            <a:fld id="{F9D46CC2-A339-431B-BF3A-A49C3CD510AD}" type="slidenum">
               <a:rPr lang="zh-CN" altLang="en-US" smtClean="0"/>
               <a:t>‹#›</a:t>
             </a:fld>
@@ -1873,7 +1873,7 @@
     </p:spTree>
     <p:extLst>
       <p:ext uri="{BB962C8B-B14F-4D97-AF65-F5344CB8AC3E}">
-        <p14:creationId xmlns:p14="http://schemas.microsoft.com/office/powerpoint/2010/main" val="902125472"/>
+        <p14:creationId xmlns:p14="http://schemas.microsoft.com/office/powerpoint/2010/main" val="299795228"/>
       </p:ext>
     </p:extLst>
   </p:cSld>
@@ -1905,7 +1905,7 @@
           <p:cNvPr id="2" name="标题 1">
             <a:extLst>
               <a:ext uri="{FF2B5EF4-FFF2-40B4-BE49-F238E27FC236}">
-                <a16:creationId xmlns:a16="http://schemas.microsoft.com/office/drawing/2014/main" id="{42369629-3995-E7D0-CCA7-7F67BA3341BF}"/>
+                <a16:creationId xmlns:a16="http://schemas.microsoft.com/office/drawing/2014/main" id="{4E080F1B-A3BF-7206-1CF0-E094A06E980A}"/>
               </a:ext>
             </a:extLst>
           </p:cNvPr>
@@ -1933,7 +1933,7 @@
           <p:cNvPr id="3" name="日期占位符 2">
             <a:extLst>
               <a:ext uri="{FF2B5EF4-FFF2-40B4-BE49-F238E27FC236}">
-                <a16:creationId xmlns:a16="http://schemas.microsoft.com/office/drawing/2014/main" id="{3F3766F6-A2A6-2359-2F42-FABE14D6295E}"/>
+                <a16:creationId xmlns:a16="http://schemas.microsoft.com/office/drawing/2014/main" id="{AD85413E-11B8-01EC-C663-E5A8B919526D}"/>
               </a:ext>
             </a:extLst>
           </p:cNvPr>
@@ -1949,7 +1949,7 @@
           <a:bodyPr/>
           <a:lstStyle/>
           <a:p>
-            <a:fld id="{2710B558-1A92-4018-8A8E-33D5ECF423E9}" type="datetimeFigureOut">
+            <a:fld id="{3AF44139-971B-44FC-9940-0DF72471C7CF}" type="datetimeFigureOut">
               <a:rPr lang="zh-CN" altLang="en-US" smtClean="0"/>
               <a:t>2024/3/10</a:t>
             </a:fld>
@@ -1962,7 +1962,7 @@
           <p:cNvPr id="4" name="页脚占位符 3">
             <a:extLst>
               <a:ext uri="{FF2B5EF4-FFF2-40B4-BE49-F238E27FC236}">
-                <a16:creationId xmlns:a16="http://schemas.microsoft.com/office/drawing/2014/main" id="{F75936AE-F74D-57D7-2B4A-7D552B70CDE3}"/>
+                <a16:creationId xmlns:a16="http://schemas.microsoft.com/office/drawing/2014/main" id="{80F483E5-CECC-F39B-6236-045B3BAD6FBD}"/>
               </a:ext>
             </a:extLst>
           </p:cNvPr>
@@ -1987,7 +1987,7 @@
           <p:cNvPr id="5" name="灯片编号占位符 4">
             <a:extLst>
               <a:ext uri="{FF2B5EF4-FFF2-40B4-BE49-F238E27FC236}">
-                <a16:creationId xmlns:a16="http://schemas.microsoft.com/office/drawing/2014/main" id="{23516009-D413-312D-8BEC-34B7F062665B}"/>
+                <a16:creationId xmlns:a16="http://schemas.microsoft.com/office/drawing/2014/main" id="{4CEE48EA-249F-8B54-73A4-A93BA6138B71}"/>
               </a:ext>
             </a:extLst>
           </p:cNvPr>
@@ -2003,7 +2003,7 @@
           <a:bodyPr/>
           <a:lstStyle/>
           <a:p>
-            <a:fld id="{23022035-26EA-485E-9086-F627EDCA18E6}" type="slidenum">
+            <a:fld id="{F9D46CC2-A339-431B-BF3A-A49C3CD510AD}" type="slidenum">
               <a:rPr lang="zh-CN" altLang="en-US" smtClean="0"/>
               <a:t>‹#›</a:t>
             </a:fld>
@@ -2014,7 +2014,7 @@
     </p:spTree>
     <p:extLst>
       <p:ext uri="{BB962C8B-B14F-4D97-AF65-F5344CB8AC3E}">
-        <p14:creationId xmlns:p14="http://schemas.microsoft.com/office/powerpoint/2010/main" val="997977460"/>
+        <p14:creationId xmlns:p14="http://schemas.microsoft.com/office/powerpoint/2010/main" val="908977653"/>
       </p:ext>
     </p:extLst>
   </p:cSld>
@@ -2046,7 +2046,7 @@
           <p:cNvPr id="2" name="日期占位符 1">
             <a:extLst>
               <a:ext uri="{FF2B5EF4-FFF2-40B4-BE49-F238E27FC236}">
-                <a16:creationId xmlns:a16="http://schemas.microsoft.com/office/drawing/2014/main" id="{7F19642C-969F-4EEE-D09E-08375AAE24AE}"/>
+                <a16:creationId xmlns:a16="http://schemas.microsoft.com/office/drawing/2014/main" id="{52433E32-F5A6-9158-FB86-C7195085C0AB}"/>
               </a:ext>
             </a:extLst>
           </p:cNvPr>
@@ -2062,7 +2062,7 @@
           <a:bodyPr/>
           <a:lstStyle/>
           <a:p>
-            <a:fld id="{2710B558-1A92-4018-8A8E-33D5ECF423E9}" type="datetimeFigureOut">
+            <a:fld id="{3AF44139-971B-44FC-9940-0DF72471C7CF}" type="datetimeFigureOut">
               <a:rPr lang="zh-CN" altLang="en-US" smtClean="0"/>
               <a:t>2024/3/10</a:t>
             </a:fld>
@@ -2075,7 +2075,7 @@
           <p:cNvPr id="3" name="页脚占位符 2">
             <a:extLst>
               <a:ext uri="{FF2B5EF4-FFF2-40B4-BE49-F238E27FC236}">
-                <a16:creationId xmlns:a16="http://schemas.microsoft.com/office/drawing/2014/main" id="{80DFBBEB-DF9E-8828-F724-7294D18A45E5}"/>
+                <a16:creationId xmlns:a16="http://schemas.microsoft.com/office/drawing/2014/main" id="{1FD57761-2374-CA68-4122-574835EA8B16}"/>
               </a:ext>
             </a:extLst>
           </p:cNvPr>
@@ -2100,7 +2100,7 @@
           <p:cNvPr id="4" name="灯片编号占位符 3">
             <a:extLst>
               <a:ext uri="{FF2B5EF4-FFF2-40B4-BE49-F238E27FC236}">
-                <a16:creationId xmlns:a16="http://schemas.microsoft.com/office/drawing/2014/main" id="{17987168-7516-89A5-84B1-EAE9CFF0DD37}"/>
+                <a16:creationId xmlns:a16="http://schemas.microsoft.com/office/drawing/2014/main" id="{8BA0737D-9A5D-A462-6C1D-3D1E964D00E1}"/>
               </a:ext>
             </a:extLst>
           </p:cNvPr>
@@ -2116,7 +2116,7 @@
           <a:bodyPr/>
           <a:lstStyle/>
           <a:p>
-            <a:fld id="{23022035-26EA-485E-9086-F627EDCA18E6}" type="slidenum">
+            <a:fld id="{F9D46CC2-A339-431B-BF3A-A49C3CD510AD}" type="slidenum">
               <a:rPr lang="zh-CN" altLang="en-US" smtClean="0"/>
               <a:t>‹#›</a:t>
             </a:fld>
@@ -2127,7 +2127,7 @@
     </p:spTree>
     <p:extLst>
       <p:ext uri="{BB962C8B-B14F-4D97-AF65-F5344CB8AC3E}">
-        <p14:creationId xmlns:p14="http://schemas.microsoft.com/office/powerpoint/2010/main" val="2973983341"/>
+        <p14:creationId xmlns:p14="http://schemas.microsoft.com/office/powerpoint/2010/main" val="634047215"/>
       </p:ext>
     </p:extLst>
   </p:cSld>
@@ -2159,7 +2159,7 @@
           <p:cNvPr id="2" name="标题 1">
             <a:extLst>
               <a:ext uri="{FF2B5EF4-FFF2-40B4-BE49-F238E27FC236}">
-                <a16:creationId xmlns:a16="http://schemas.microsoft.com/office/drawing/2014/main" id="{3164EE3C-C382-C525-B38B-05C28BFEC352}"/>
+                <a16:creationId xmlns:a16="http://schemas.microsoft.com/office/drawing/2014/main" id="{235310CE-96A2-3893-6590-A3294B3FE19F}"/>
               </a:ext>
             </a:extLst>
           </p:cNvPr>
@@ -2196,7 +2196,7 @@
           <p:cNvPr id="3" name="内容占位符 2">
             <a:extLst>
               <a:ext uri="{FF2B5EF4-FFF2-40B4-BE49-F238E27FC236}">
-                <a16:creationId xmlns:a16="http://schemas.microsoft.com/office/drawing/2014/main" id="{FE496AD4-920D-2DD6-1958-7CE7818ED623}"/>
+                <a16:creationId xmlns:a16="http://schemas.microsoft.com/office/drawing/2014/main" id="{EB77F859-D6B7-BC37-79D8-68D9685B404F}"/>
               </a:ext>
             </a:extLst>
           </p:cNvPr>
@@ -2286,7 +2286,7 @@
           <p:cNvPr id="4" name="文本占位符 3">
             <a:extLst>
               <a:ext uri="{FF2B5EF4-FFF2-40B4-BE49-F238E27FC236}">
-                <a16:creationId xmlns:a16="http://schemas.microsoft.com/office/drawing/2014/main" id="{C4E70177-1AA5-0DA8-F1C1-2279CFC033CD}"/>
+                <a16:creationId xmlns:a16="http://schemas.microsoft.com/office/drawing/2014/main" id="{E6142ACE-2134-99D8-E2BA-C808AAA8077E}"/>
               </a:ext>
             </a:extLst>
           </p:cNvPr>
@@ -2357,7 +2357,7 @@
           <p:cNvPr id="5" name="日期占位符 4">
             <a:extLst>
               <a:ext uri="{FF2B5EF4-FFF2-40B4-BE49-F238E27FC236}">
-                <a16:creationId xmlns:a16="http://schemas.microsoft.com/office/drawing/2014/main" id="{6AD59449-40D5-4BE7-D630-EB851C242FB2}"/>
+                <a16:creationId xmlns:a16="http://schemas.microsoft.com/office/drawing/2014/main" id="{64E41D50-09E9-6665-28A4-33EBC03EB145}"/>
               </a:ext>
             </a:extLst>
           </p:cNvPr>
@@ -2373,7 +2373,7 @@
           <a:bodyPr/>
           <a:lstStyle/>
           <a:p>
-            <a:fld id="{2710B558-1A92-4018-8A8E-33D5ECF423E9}" type="datetimeFigureOut">
+            <a:fld id="{3AF44139-971B-44FC-9940-0DF72471C7CF}" type="datetimeFigureOut">
               <a:rPr lang="zh-CN" altLang="en-US" smtClean="0"/>
               <a:t>2024/3/10</a:t>
             </a:fld>
@@ -2386,7 +2386,7 @@
           <p:cNvPr id="6" name="页脚占位符 5">
             <a:extLst>
               <a:ext uri="{FF2B5EF4-FFF2-40B4-BE49-F238E27FC236}">
-                <a16:creationId xmlns:a16="http://schemas.microsoft.com/office/drawing/2014/main" id="{085216BC-2B3C-828A-7302-3E6B79E5C3C8}"/>
+                <a16:creationId xmlns:a16="http://schemas.microsoft.com/office/drawing/2014/main" id="{22714CB0-FD5F-CDF9-B7C7-967477C2140C}"/>
               </a:ext>
             </a:extLst>
           </p:cNvPr>
@@ -2411,7 +2411,7 @@
           <p:cNvPr id="7" name="灯片编号占位符 6">
             <a:extLst>
               <a:ext uri="{FF2B5EF4-FFF2-40B4-BE49-F238E27FC236}">
-                <a16:creationId xmlns:a16="http://schemas.microsoft.com/office/drawing/2014/main" id="{518C693B-7BFB-C808-852A-D0A734585C04}"/>
+                <a16:creationId xmlns:a16="http://schemas.microsoft.com/office/drawing/2014/main" id="{A3039C02-92C5-455C-F719-0B7F8D273EA4}"/>
               </a:ext>
             </a:extLst>
           </p:cNvPr>
@@ -2427,7 +2427,7 @@
           <a:bodyPr/>
           <a:lstStyle/>
           <a:p>
-            <a:fld id="{23022035-26EA-485E-9086-F627EDCA18E6}" type="slidenum">
+            <a:fld id="{F9D46CC2-A339-431B-BF3A-A49C3CD510AD}" type="slidenum">
               <a:rPr lang="zh-CN" altLang="en-US" smtClean="0"/>
               <a:t>‹#›</a:t>
             </a:fld>
@@ -2438,7 +2438,7 @@
     </p:spTree>
     <p:extLst>
       <p:ext uri="{BB962C8B-B14F-4D97-AF65-F5344CB8AC3E}">
-        <p14:creationId xmlns:p14="http://schemas.microsoft.com/office/powerpoint/2010/main" val="2540954275"/>
+        <p14:creationId xmlns:p14="http://schemas.microsoft.com/office/powerpoint/2010/main" val="1534098456"/>
       </p:ext>
     </p:extLst>
   </p:cSld>
@@ -2470,7 +2470,7 @@
           <p:cNvPr id="2" name="标题 1">
             <a:extLst>
               <a:ext uri="{FF2B5EF4-FFF2-40B4-BE49-F238E27FC236}">
-                <a16:creationId xmlns:a16="http://schemas.microsoft.com/office/drawing/2014/main" id="{288E2369-1CA5-C50C-7CB1-3DD62B8EDC84}"/>
+                <a16:creationId xmlns:a16="http://schemas.microsoft.com/office/drawing/2014/main" id="{DF3FC57D-B976-60E1-6828-36BDA5C62A36}"/>
               </a:ext>
             </a:extLst>
           </p:cNvPr>
@@ -2507,7 +2507,7 @@
           <p:cNvPr id="3" name="图片占位符 2">
             <a:extLst>
               <a:ext uri="{FF2B5EF4-FFF2-40B4-BE49-F238E27FC236}">
-                <a16:creationId xmlns:a16="http://schemas.microsoft.com/office/drawing/2014/main" id="{7CB2A32F-9EAB-46E4-1876-40A677CE445E}"/>
+                <a16:creationId xmlns:a16="http://schemas.microsoft.com/office/drawing/2014/main" id="{9BDC7C6B-F2DB-2335-AAFB-C423D10835FA}"/>
               </a:ext>
             </a:extLst>
           </p:cNvPr>
@@ -2574,7 +2574,7 @@
           <p:cNvPr id="4" name="文本占位符 3">
             <a:extLst>
               <a:ext uri="{FF2B5EF4-FFF2-40B4-BE49-F238E27FC236}">
-                <a16:creationId xmlns:a16="http://schemas.microsoft.com/office/drawing/2014/main" id="{1C7B00CF-823D-EFE6-66CC-FE4ED941E4F6}"/>
+                <a16:creationId xmlns:a16="http://schemas.microsoft.com/office/drawing/2014/main" id="{708EDC04-9923-B267-1C3C-9B01C20FACC0}"/>
               </a:ext>
             </a:extLst>
           </p:cNvPr>
@@ -2645,7 +2645,7 @@
           <p:cNvPr id="5" name="日期占位符 4">
             <a:extLst>
               <a:ext uri="{FF2B5EF4-FFF2-40B4-BE49-F238E27FC236}">
-                <a16:creationId xmlns:a16="http://schemas.microsoft.com/office/drawing/2014/main" id="{AF229FDF-8156-3D10-3265-03D1DC3854D7}"/>
+                <a16:creationId xmlns:a16="http://schemas.microsoft.com/office/drawing/2014/main" id="{F14A3618-640A-84CF-8FDC-8577DA80B909}"/>
               </a:ext>
             </a:extLst>
           </p:cNvPr>
@@ -2661,7 +2661,7 @@
           <a:bodyPr/>
           <a:lstStyle/>
           <a:p>
-            <a:fld id="{2710B558-1A92-4018-8A8E-33D5ECF423E9}" type="datetimeFigureOut">
+            <a:fld id="{3AF44139-971B-44FC-9940-0DF72471C7CF}" type="datetimeFigureOut">
               <a:rPr lang="zh-CN" altLang="en-US" smtClean="0"/>
               <a:t>2024/3/10</a:t>
             </a:fld>
@@ -2674,7 +2674,7 @@
           <p:cNvPr id="6" name="页脚占位符 5">
             <a:extLst>
               <a:ext uri="{FF2B5EF4-FFF2-40B4-BE49-F238E27FC236}">
-                <a16:creationId xmlns:a16="http://schemas.microsoft.com/office/drawing/2014/main" id="{02BF5844-6C27-DBBA-8E67-60E6729D07BB}"/>
+                <a16:creationId xmlns:a16="http://schemas.microsoft.com/office/drawing/2014/main" id="{5361FB1D-F5AD-0BA3-75BB-8C8E39675CC9}"/>
               </a:ext>
             </a:extLst>
           </p:cNvPr>
@@ -2699,7 +2699,7 @@
           <p:cNvPr id="7" name="灯片编号占位符 6">
             <a:extLst>
               <a:ext uri="{FF2B5EF4-FFF2-40B4-BE49-F238E27FC236}">
-                <a16:creationId xmlns:a16="http://schemas.microsoft.com/office/drawing/2014/main" id="{D6747635-BC84-7A38-3801-53DE84F8F8D1}"/>
+                <a16:creationId xmlns:a16="http://schemas.microsoft.com/office/drawing/2014/main" id="{3D3F6565-4901-4A53-B356-5F48D355FF2A}"/>
               </a:ext>
             </a:extLst>
           </p:cNvPr>
@@ -2715,7 +2715,7 @@
           <a:bodyPr/>
           <a:lstStyle/>
           <a:p>
-            <a:fld id="{23022035-26EA-485E-9086-F627EDCA18E6}" type="slidenum">
+            <a:fld id="{F9D46CC2-A339-431B-BF3A-A49C3CD510AD}" type="slidenum">
               <a:rPr lang="zh-CN" altLang="en-US" smtClean="0"/>
               <a:t>‹#›</a:t>
             </a:fld>
@@ -2726,7 +2726,7 @@
     </p:spTree>
     <p:extLst>
       <p:ext uri="{BB962C8B-B14F-4D97-AF65-F5344CB8AC3E}">
-        <p14:creationId xmlns:p14="http://schemas.microsoft.com/office/powerpoint/2010/main" val="2808133045"/>
+        <p14:creationId xmlns:p14="http://schemas.microsoft.com/office/powerpoint/2010/main" val="1387840539"/>
       </p:ext>
     </p:extLst>
   </p:cSld>
@@ -2763,7 +2763,7 @@
           <p:cNvPr id="2" name="标题占位符 1">
             <a:extLst>
               <a:ext uri="{FF2B5EF4-FFF2-40B4-BE49-F238E27FC236}">
-                <a16:creationId xmlns:a16="http://schemas.microsoft.com/office/drawing/2014/main" id="{309FC8B7-9AE0-1939-507F-2DCF22FBC1FD}"/>
+                <a16:creationId xmlns:a16="http://schemas.microsoft.com/office/drawing/2014/main" id="{0F94D028-D7D4-742D-5388-904D8841E7BB}"/>
               </a:ext>
             </a:extLst>
           </p:cNvPr>
@@ -2801,7 +2801,7 @@
           <p:cNvPr id="3" name="文本占位符 2">
             <a:extLst>
               <a:ext uri="{FF2B5EF4-FFF2-40B4-BE49-F238E27FC236}">
-                <a16:creationId xmlns:a16="http://schemas.microsoft.com/office/drawing/2014/main" id="{F9D48AB4-051E-C13F-EC3A-DBCC23B82DB3}"/>
+                <a16:creationId xmlns:a16="http://schemas.microsoft.com/office/drawing/2014/main" id="{D7B1EA59-6AE5-6B98-1B9E-6B4DC202238A}"/>
               </a:ext>
             </a:extLst>
           </p:cNvPr>
@@ -2868,7 +2868,7 @@
           <p:cNvPr id="4" name="日期占位符 3">
             <a:extLst>
               <a:ext uri="{FF2B5EF4-FFF2-40B4-BE49-F238E27FC236}">
-                <a16:creationId xmlns:a16="http://schemas.microsoft.com/office/drawing/2014/main" id="{8AD89F98-457D-2196-F0D3-C3D677241672}"/>
+                <a16:creationId xmlns:a16="http://schemas.microsoft.com/office/drawing/2014/main" id="{4FEF961C-B086-FAFD-1672-5B1BE8A0303B}"/>
               </a:ext>
             </a:extLst>
           </p:cNvPr>
@@ -2902,7 +2902,7 @@
             </a:lvl1pPr>
           </a:lstStyle>
           <a:p>
-            <a:fld id="{2710B558-1A92-4018-8A8E-33D5ECF423E9}" type="datetimeFigureOut">
+            <a:fld id="{3AF44139-971B-44FC-9940-0DF72471C7CF}" type="datetimeFigureOut">
               <a:rPr lang="zh-CN" altLang="en-US" smtClean="0"/>
               <a:t>2024/3/10</a:t>
             </a:fld>
@@ -2915,7 +2915,7 @@
           <p:cNvPr id="5" name="页脚占位符 4">
             <a:extLst>
               <a:ext uri="{FF2B5EF4-FFF2-40B4-BE49-F238E27FC236}">
-                <a16:creationId xmlns:a16="http://schemas.microsoft.com/office/drawing/2014/main" id="{DEC2C2ED-59C8-993A-952D-7BA16567D4BB}"/>
+                <a16:creationId xmlns:a16="http://schemas.microsoft.com/office/drawing/2014/main" id="{B4D21E42-0EF7-A72D-419E-A81A0CC3824F}"/>
               </a:ext>
             </a:extLst>
           </p:cNvPr>
@@ -2958,7 +2958,7 @@
           <p:cNvPr id="6" name="灯片编号占位符 5">
             <a:extLst>
               <a:ext uri="{FF2B5EF4-FFF2-40B4-BE49-F238E27FC236}">
-                <a16:creationId xmlns:a16="http://schemas.microsoft.com/office/drawing/2014/main" id="{5C3D94AD-195B-E5FF-8E11-175ED6A8B176}"/>
+                <a16:creationId xmlns:a16="http://schemas.microsoft.com/office/drawing/2014/main" id="{03B74C2C-2DD5-3634-AB48-66A0552A164A}"/>
               </a:ext>
             </a:extLst>
           </p:cNvPr>
@@ -2992,7 +2992,7 @@
             </a:lvl1pPr>
           </a:lstStyle>
           <a:p>
-            <a:fld id="{23022035-26EA-485E-9086-F627EDCA18E6}" type="slidenum">
+            <a:fld id="{F9D46CC2-A339-431B-BF3A-A49C3CD510AD}" type="slidenum">
               <a:rPr lang="zh-CN" altLang="en-US" smtClean="0"/>
               <a:t>‹#›</a:t>
             </a:fld>
@@ -3003,7 +3003,7 @@
     </p:spTree>
     <p:extLst>
       <p:ext uri="{BB962C8B-B14F-4D97-AF65-F5344CB8AC3E}">
-        <p14:creationId xmlns:p14="http://schemas.microsoft.com/office/powerpoint/2010/main" val="763851159"/>
+        <p14:creationId xmlns:p14="http://schemas.microsoft.com/office/powerpoint/2010/main" val="202396620"/>
       </p:ext>
     </p:extLst>
   </p:cSld>
